--- a/Day8-NaturalLanguage/Ch09-NaturalLanguage.pptx
+++ b/Day8-NaturalLanguage/Ch09-NaturalLanguage.pptx
@@ -7115,7 +7115,13 @@
               <a:rPr lang="en-US" sz="3600" dirty="0">
                 <a:effectLst/>
               </a:rPr>
-              <a:t>Chapter 9: </a:t>
+              <a:t>Chapter </a:t>
+            </a:r>
+            <a:r>
+              <a:rPr lang="en-US" sz="3600">
+                <a:effectLst/>
+              </a:rPr>
+              <a:t>9:</a:t>
             </a:r>
             <a:br>
               <a:rPr lang="en-US" sz="3600" dirty="0">
@@ -10938,6 +10944,15 @@
 </file>
 
 <file path=customXml/item1.xml><?xml version="1.0" encoding="utf-8"?>
+<?mso-contentType ?>
+<FormTemplates xmlns="http://schemas.microsoft.com/sharepoint/v3/contenttype/forms">
+  <Display>DocumentLibraryForm</Display>
+  <Edit>DocumentLibraryForm</Edit>
+  <New>DocumentLibraryForm</New>
+</FormTemplates>
+</file>
+
+<file path=customXml/item2.xml><?xml version="1.0" encoding="utf-8"?>
 <ct:contentTypeSchema xmlns:ct="http://schemas.microsoft.com/office/2006/metadata/contentType" xmlns:ma="http://schemas.microsoft.com/office/2006/metadata/properties/metaAttributes" ct:_="" ma:_="" ma:contentTypeName="Document" ma:contentTypeID="0x0101004C58D7A746750E48B9E257CBBD401C71" ma:contentTypeVersion="5" ma:contentTypeDescription="Create a new document." ma:contentTypeScope="" ma:versionID="9b104746e7bcdc89d5c9d8909bc79033">
   <xsd:schema xmlns:xsd="http://www.w3.org/2001/XMLSchema" xmlns:xs="http://www.w3.org/2001/XMLSchema" xmlns:p="http://schemas.microsoft.com/office/2006/metadata/properties" xmlns:ns2="3f1ded34-099e-46dd-b0de-95a90e7e1e5f" targetNamespace="http://schemas.microsoft.com/office/2006/metadata/properties" ma:root="true" ma:fieldsID="39039af933a2d9dca5a96354c4c2b0ed" ns2:_="">
     <xsd:import namespace="3f1ded34-099e-46dd-b0de-95a90e7e1e5f"/>
@@ -11089,15 +11104,6 @@
 </ct:contentTypeSchema>
 </file>
 
-<file path=customXml/item2.xml><?xml version="1.0" encoding="utf-8"?>
-<?mso-contentType ?>
-<FormTemplates xmlns="http://schemas.microsoft.com/sharepoint/v3/contenttype/forms">
-  <Display>DocumentLibraryForm</Display>
-  <Edit>DocumentLibraryForm</Edit>
-  <New>DocumentLibraryForm</New>
-</FormTemplates>
-</file>
-
 <file path=customXml/item3.xml><?xml version="1.0" encoding="utf-8"?>
 <p:properties xmlns:p="http://schemas.microsoft.com/office/2006/metadata/properties" xmlns:xsi="http://www.w3.org/2001/XMLSchema-instance" xmlns:pc="http://schemas.microsoft.com/office/infopath/2007/PartnerControls">
   <documentManagement/>
@@ -11105,6 +11111,14 @@
 </file>
 
 <file path=customXml/itemProps1.xml><?xml version="1.0" encoding="utf-8"?>
+<ds:datastoreItem xmlns:ds="http://schemas.openxmlformats.org/officeDocument/2006/customXml" ds:itemID="{2DA015F3-603C-4688-A5F3-81D587DAB8C9}">
+  <ds:schemaRefs>
+    <ds:schemaRef ds:uri="http://schemas.microsoft.com/sharepoint/v3/contenttype/forms"/>
+  </ds:schemaRefs>
+</ds:datastoreItem>
+</file>
+
+<file path=customXml/itemProps2.xml><?xml version="1.0" encoding="utf-8"?>
 <ds:datastoreItem xmlns:ds="http://schemas.openxmlformats.org/officeDocument/2006/customXml" ds:itemID="{6751EBC6-C433-43E6-8F46-C6D6D677BF51}">
   <ds:schemaRefs>
     <ds:schemaRef ds:uri="http://schemas.microsoft.com/office/2006/metadata/contentType"/>
@@ -11118,14 +11132,6 @@
     <ds:schemaRef ds:uri="http://purl.org/dc/elements/1.1/"/>
     <ds:schemaRef ds:uri="http://purl.org/dc/terms/"/>
     <ds:schemaRef ds:uri="http://schemas.microsoft.com/internal/obd"/>
-  </ds:schemaRefs>
-</ds:datastoreItem>
-</file>
-
-<file path=customXml/itemProps2.xml><?xml version="1.0" encoding="utf-8"?>
-<ds:datastoreItem xmlns:ds="http://schemas.openxmlformats.org/officeDocument/2006/customXml" ds:itemID="{2DA015F3-603C-4688-A5F3-81D587DAB8C9}">
-  <ds:schemaRefs>
-    <ds:schemaRef ds:uri="http://schemas.microsoft.com/sharepoint/v3/contenttype/forms"/>
   </ds:schemaRefs>
 </ds:datastoreItem>
 </file>

--- a/Day8-NaturalLanguage/Ch09-NaturalLanguage.pptx
+++ b/Day8-NaturalLanguage/Ch09-NaturalLanguage.pptx
@@ -338,7 +338,7 @@
                 <a:ea typeface="Tahoma" pitchFamily="34" charset="0"/>
                 <a:cs typeface="Tahoma" pitchFamily="34" charset="0"/>
               </a:rPr>
-              <a:t>Chapter 10</a:t>
+              <a:t>Chapter 9</a:t>
             </a:r>
           </a:p>
         </p:txBody>
@@ -728,7 +728,7 @@
                 </a:solidFill>
                 <a:latin typeface="Tahoma" pitchFamily="34" charset="0"/>
               </a:rPr>
-              <a:t>Chapter 10-</a:t>
+              <a:t>Chapter 9-</a:t>
             </a:r>
             <a:fld id="{9C58707A-6F60-4D20-8A8B-4F90B88EA4F7}" type="slidenum">
               <a:rPr lang="en-US" sz="1200" smtClean="0">
@@ -6276,7 +6276,7 @@
                 </a:solidFill>
                 <a:latin typeface="Tahoma" charset="0"/>
               </a:rPr>
-              <a:t>© 2019</a:t>
+              <a:t>© 2020</a:t>
             </a:r>
             <a:r>
               <a:rPr lang="en-US" sz="700" b="0" baseline="0" dirty="0">
@@ -7115,13 +7115,7 @@
               <a:rPr lang="en-US" sz="3600" dirty="0">
                 <a:effectLst/>
               </a:rPr>
-              <a:t>Chapter </a:t>
-            </a:r>
-            <a:r>
-              <a:rPr lang="en-US" sz="3600">
-                <a:effectLst/>
-              </a:rPr>
-              <a:t>9:</a:t>
+              <a:t>Chapter 9:</a:t>
             </a:r>
             <a:br>
               <a:rPr lang="en-US" sz="3600" dirty="0">
@@ -8265,7 +8259,7 @@
           <a:p>
             <a:r>
               <a:rPr lang="en-US" dirty="0"/>
-              <a:t>Visualized natural language with Word Clouds</a:t>
+              <a:t>Visualized natural language with word clouds</a:t>
             </a:r>
           </a:p>
           <a:p>
@@ -8381,7 +8375,7 @@
           <a:p>
             <a:r>
               <a:rPr lang="en-US" dirty="0"/>
-              <a:t>Visualize natural language with Word Clouds</a:t>
+              <a:t>Visualize natural language with word clouds</a:t>
             </a:r>
           </a:p>
           <a:p>
@@ -9216,7 +9210,7 @@
           <a:p>
             <a:r>
               <a:rPr lang="en-US" dirty="0"/>
-              <a:t>Word Clouds and other charts can be made from the results of the text processing by bringing the small DataFrame results back to the driver</a:t>
+              <a:t>Word clouds and other charts can be made from the results of the text processing by bringing the small DataFrame results back to the driver</a:t>
             </a:r>
           </a:p>
           <a:p>
@@ -10944,15 +10938,6 @@
 </file>
 
 <file path=customXml/item1.xml><?xml version="1.0" encoding="utf-8"?>
-<?mso-contentType ?>
-<FormTemplates xmlns="http://schemas.microsoft.com/sharepoint/v3/contenttype/forms">
-  <Display>DocumentLibraryForm</Display>
-  <Edit>DocumentLibraryForm</Edit>
-  <New>DocumentLibraryForm</New>
-</FormTemplates>
-</file>
-
-<file path=customXml/item2.xml><?xml version="1.0" encoding="utf-8"?>
 <ct:contentTypeSchema xmlns:ct="http://schemas.microsoft.com/office/2006/metadata/contentType" xmlns:ma="http://schemas.microsoft.com/office/2006/metadata/properties/metaAttributes" ct:_="" ma:_="" ma:contentTypeName="Document" ma:contentTypeID="0x0101004C58D7A746750E48B9E257CBBD401C71" ma:contentTypeVersion="5" ma:contentTypeDescription="Create a new document." ma:contentTypeScope="" ma:versionID="9b104746e7bcdc89d5c9d8909bc79033">
   <xsd:schema xmlns:xsd="http://www.w3.org/2001/XMLSchema" xmlns:xs="http://www.w3.org/2001/XMLSchema" xmlns:p="http://schemas.microsoft.com/office/2006/metadata/properties" xmlns:ns2="3f1ded34-099e-46dd-b0de-95a90e7e1e5f" targetNamespace="http://schemas.microsoft.com/office/2006/metadata/properties" ma:root="true" ma:fieldsID="39039af933a2d9dca5a96354c4c2b0ed" ns2:_="">
     <xsd:import namespace="3f1ded34-099e-46dd-b0de-95a90e7e1e5f"/>
@@ -11104,21 +11089,22 @@
 </ct:contentTypeSchema>
 </file>
 
-<file path=customXml/item3.xml><?xml version="1.0" encoding="utf-8"?>
+<file path=customXml/item2.xml><?xml version="1.0" encoding="utf-8"?>
 <p:properties xmlns:p="http://schemas.microsoft.com/office/2006/metadata/properties" xmlns:xsi="http://www.w3.org/2001/XMLSchema-instance" xmlns:pc="http://schemas.microsoft.com/office/infopath/2007/PartnerControls">
   <documentManagement/>
 </p:properties>
 </file>
 
-<file path=customXml/itemProps1.xml><?xml version="1.0" encoding="utf-8"?>
-<ds:datastoreItem xmlns:ds="http://schemas.openxmlformats.org/officeDocument/2006/customXml" ds:itemID="{2DA015F3-603C-4688-A5F3-81D587DAB8C9}">
-  <ds:schemaRefs>
-    <ds:schemaRef ds:uri="http://schemas.microsoft.com/sharepoint/v3/contenttype/forms"/>
-  </ds:schemaRefs>
-</ds:datastoreItem>
+<file path=customXml/item3.xml><?xml version="1.0" encoding="utf-8"?>
+<?mso-contentType ?>
+<FormTemplates xmlns="http://schemas.microsoft.com/sharepoint/v3/contenttype/forms">
+  <Display>DocumentLibraryForm</Display>
+  <Edit>DocumentLibraryForm</Edit>
+  <New>DocumentLibraryForm</New>
+</FormTemplates>
 </file>
 
-<file path=customXml/itemProps2.xml><?xml version="1.0" encoding="utf-8"?>
+<file path=customXml/itemProps1.xml><?xml version="1.0" encoding="utf-8"?>
 <ds:datastoreItem xmlns:ds="http://schemas.openxmlformats.org/officeDocument/2006/customXml" ds:itemID="{6751EBC6-C433-43E6-8F46-C6D6D677BF51}">
   <ds:schemaRefs>
     <ds:schemaRef ds:uri="http://schemas.microsoft.com/office/2006/metadata/contentType"/>
@@ -11136,7 +11122,7 @@
 </ds:datastoreItem>
 </file>
 
-<file path=customXml/itemProps3.xml><?xml version="1.0" encoding="utf-8"?>
+<file path=customXml/itemProps2.xml><?xml version="1.0" encoding="utf-8"?>
 <ds:datastoreItem xmlns:ds="http://schemas.openxmlformats.org/officeDocument/2006/customXml" ds:itemID="{F47B9207-CE5C-49AD-B414-15CBFA246D65}">
   <ds:schemaRefs>
     <ds:schemaRef ds:uri="http://purl.org/dc/terms/"/>
@@ -11150,4 +11136,12 @@
     <ds:schemaRef ds:uri="http://purl.org/dc/dcmitype/"/>
   </ds:schemaRefs>
 </ds:datastoreItem>
+</file>
+
+<file path=customXml/itemProps3.xml><?xml version="1.0" encoding="utf-8"?>
+<ds:datastoreItem xmlns:ds="http://schemas.openxmlformats.org/officeDocument/2006/customXml" ds:itemID="{2DA015F3-603C-4688-A5F3-81D587DAB8C9}">
+  <ds:schemaRefs>
+    <ds:schemaRef ds:uri="http://schemas.microsoft.com/sharepoint/v3/contenttype/forms"/>
+  </ds:schemaRefs>
+</ds:datastoreItem>
 </file>